--- a/Project05_DataScience_NeighborhoodLocatorApplication/Development_PPT.pptx
+++ b/Project05_DataScience_NeighborhoodLocatorApplication/Development_PPT.pptx
@@ -4795,7 +4795,7 @@
             </a:pPr>
             <a:r>
               <a:rPr lang="en-US" dirty="0"/>
-              <a:t>Final dataset is made by merging required data from Week3 Assignment data</a:t>
+              <a:t>Final dataset is made by merging required data from source and destination clustering</a:t>
             </a:r>
           </a:p>
           <a:p>
@@ -4817,7 +4817,7 @@
             </a:pPr>
             <a:r>
               <a:rPr lang="en-US" dirty="0"/>
-              <a:t>From the clustering of Toronto neighborhoods (Week3 Assignment) , the clustered data shows two neighborhoods nearest to the source address are clustered together.  These two neighborhoods are 1)Kensington Market, Chinatown, Grange Park and 2) Toronto Dominion Centre, Design Exchange. The data related to these neighborhoods point to the user's current interests. This can be then used in combination with New York neighborhoods data to solve the problem.</a:t>
+              <a:t>From the clustering of Toronto neighborhoods , the clustered data shows two neighborhoods nearest to the source address are clustered together.  These two neighborhoods are 1)Kensington Market, Chinatown, Grange Park and 2) Toronto Dominion Centre, Design Exchange. The data related to these neighborhoods point to the user's current interests. This can be then used in combination with New York neighborhoods data to solve the problem.</a:t>
             </a:r>
           </a:p>
           <a:p>
@@ -5339,7 +5339,7 @@
             </a:pPr>
             <a:r>
               <a:rPr lang="en-US" dirty="0"/>
-              <a:t>An inferential data analysis was performed based on the Week3 clustering assignment (clustering of Toronto neighborhoods). </a:t>
+              <a:t>An inferential data analysis was performed based on the Source city clustering (clustering of Toronto neighborhoods). </a:t>
             </a:r>
           </a:p>
           <a:p>
